--- a/Debak/Templates/Template_2.pptx
+++ b/Debak/Templates/Template_2.pptx
@@ -18548,8 +18548,8 @@
         </p:nvSpPr>
         <p:spPr>
           <a:xfrm>
-            <a:off x="1024126" y="2286000"/>
-            <a:ext cx="4841835" cy="4023360"/>
+            <a:off x="290881" y="2286000"/>
+            <a:ext cx="5290410" cy="4023360"/>
           </a:xfrm>
         </p:spPr>
         <p:txBody>
@@ -18604,8 +18604,8 @@
         </p:nvSpPr>
         <p:spPr>
           <a:xfrm>
-            <a:off x="5865962" y="2286000"/>
-            <a:ext cx="4878238" cy="4023360"/>
+            <a:off x="6262777" y="2311879"/>
+            <a:ext cx="5548223" cy="4023360"/>
           </a:xfrm>
         </p:spPr>
         <p:txBody>
